--- a/stock_and_housing_Proj1Final_1.14.pptx
+++ b/stock_and_housing_Proj1Final_1.14.pptx
@@ -17,8 +17,8 @@
     <p:sldId id="268" r:id="rId8"/>
     <p:sldId id="266" r:id="rId9"/>
     <p:sldId id="267" r:id="rId10"/>
-    <p:sldId id="264" r:id="rId11"/>
-    <p:sldId id="265" r:id="rId12"/>
+    <p:sldId id="265" r:id="rId11"/>
+    <p:sldId id="264" r:id="rId12"/>
     <p:sldId id="262" r:id="rId13"/>
     <p:sldId id="263" r:id="rId14"/>
   </p:sldIdLst>
@@ -1211,7 +1211,7 @@
           <a:p>
             <a:fld id="{EC1E1B08-83FD-4C41-8C90-393121230B80}" type="slidenum">
               <a:rPr lang="en-US" smtClean="0"/>
-              <a:t>11</a:t>
+              <a:t>10</a:t>
             </a:fld>
             <a:endParaRPr lang="en-US"/>
           </a:p>
@@ -5042,6 +5042,154 @@
       </p:grpSpPr>
       <p:pic>
         <p:nvPicPr>
+          <p:cNvPr id="7" name="Picture 6">
+            <a:extLst>
+              <a:ext uri="{FF2B5EF4-FFF2-40B4-BE49-F238E27FC236}">
+                <a16:creationId xmlns:a16="http://schemas.microsoft.com/office/drawing/2014/main" id="{58C2FCEF-92D6-493C-AB66-66529B49971E}"/>
+              </a:ext>
+            </a:extLst>
+          </p:cNvPr>
+          <p:cNvPicPr>
+            <a:picLocks noChangeAspect="1"/>
+          </p:cNvPicPr>
+          <p:nvPr/>
+        </p:nvPicPr>
+        <p:blipFill>
+          <a:blip r:embed="rId3">
+            <a:extLst>
+              <a:ext uri="{28A0092B-C50C-407E-A947-70E740481C1C}">
+                <a14:useLocalDpi xmlns:a14="http://schemas.microsoft.com/office/drawing/2010/main" val="0"/>
+              </a:ext>
+            </a:extLst>
+          </a:blip>
+          <a:stretch>
+            <a:fillRect/>
+          </a:stretch>
+        </p:blipFill>
+        <p:spPr>
+          <a:xfrm>
+            <a:off x="465151" y="95250"/>
+            <a:ext cx="8642350" cy="6667500"/>
+          </a:xfrm>
+          <a:prstGeom prst="rect">
+            <a:avLst/>
+          </a:prstGeom>
+        </p:spPr>
+      </p:pic>
+      <p:sp>
+        <p:nvSpPr>
+          <p:cNvPr id="9" name="TextBox 8">
+            <a:extLst>
+              <a:ext uri="{FF2B5EF4-FFF2-40B4-BE49-F238E27FC236}">
+                <a16:creationId xmlns:a16="http://schemas.microsoft.com/office/drawing/2014/main" id="{12BFC674-039B-4EF1-BCB8-ECD29BCA7808}"/>
+              </a:ext>
+            </a:extLst>
+          </p:cNvPr>
+          <p:cNvSpPr txBox="1"/>
+          <p:nvPr/>
+        </p:nvSpPr>
+        <p:spPr>
+          <a:xfrm>
+            <a:off x="8296081" y="3105835"/>
+            <a:ext cx="3058381" cy="1200329"/>
+          </a:xfrm>
+          <a:prstGeom prst="rect">
+            <a:avLst/>
+          </a:prstGeom>
+          <a:noFill/>
+        </p:spPr>
+        <p:txBody>
+          <a:bodyPr wrap="square" rtlCol="0">
+            <a:spAutoFit/>
+          </a:bodyPr>
+          <a:lstStyle/>
+          <a:p>
+            <a:pPr algn="ctr"/>
+            <a:r>
+              <a:rPr lang="en-US" dirty="0">
+                <a:latin typeface="Arial Nova Cond" panose="020B0506020202020204" pitchFamily="34" charset="0"/>
+              </a:rPr>
+              <a:t>The median household income in North Bethesda, MD is nearly 2x the US average. ($103,000)</a:t>
+            </a:r>
+          </a:p>
+        </p:txBody>
+      </p:sp>
+      <p:sp>
+        <p:nvSpPr>
+          <p:cNvPr id="10" name="Rectangle 9">
+            <a:extLst>
+              <a:ext uri="{FF2B5EF4-FFF2-40B4-BE49-F238E27FC236}">
+                <a16:creationId xmlns:a16="http://schemas.microsoft.com/office/drawing/2014/main" id="{95500E2A-0039-4AA0-B966-50A1C217241D}"/>
+              </a:ext>
+            </a:extLst>
+          </p:cNvPr>
+          <p:cNvSpPr/>
+          <p:nvPr/>
+        </p:nvSpPr>
+        <p:spPr>
+          <a:xfrm>
+            <a:off x="8296081" y="5841083"/>
+            <a:ext cx="6096000" cy="646331"/>
+          </a:xfrm>
+          <a:prstGeom prst="rect">
+            <a:avLst/>
+          </a:prstGeom>
+        </p:spPr>
+        <p:txBody>
+          <a:bodyPr>
+            <a:spAutoFit/>
+          </a:bodyPr>
+          <a:lstStyle/>
+          <a:p>
+            <a:r>
+              <a:rPr lang="en-US" dirty="0">
+                <a:latin typeface="Arial Nova Cond" panose="020B0506020202020204" pitchFamily="34" charset="0"/>
+              </a:rPr>
+              <a:t>Pearson r : 0.577074</a:t>
+            </a:r>
+          </a:p>
+          <a:p>
+            <a:r>
+              <a:rPr lang="en-US" dirty="0">
+                <a:latin typeface="Arial Nova Cond" panose="020B0506020202020204" pitchFamily="34" charset="0"/>
+              </a:rPr>
+              <a:t>P Value : 15.42E-13</a:t>
+            </a:r>
+          </a:p>
+        </p:txBody>
+      </p:sp>
+    </p:spTree>
+    <p:extLst>
+      <p:ext uri="{BB962C8B-B14F-4D97-AF65-F5344CB8AC3E}">
+        <p14:creationId xmlns:p14="http://schemas.microsoft.com/office/powerpoint/2010/main" val="3323950502"/>
+      </p:ext>
+    </p:extLst>
+  </p:cSld>
+  <p:clrMapOvr>
+    <a:masterClrMapping/>
+  </p:clrMapOvr>
+</p:sld>
+</file>
+
+<file path=ppt/slides/slide11.xml><?xml version="1.0" encoding="utf-8"?>
+<p:sld xmlns:a="http://schemas.openxmlformats.org/drawingml/2006/main" xmlns:r="http://schemas.openxmlformats.org/officeDocument/2006/relationships" xmlns:p="http://schemas.openxmlformats.org/presentationml/2006/main">
+  <p:cSld>
+    <p:spTree>
+      <p:nvGrpSpPr>
+        <p:cNvPr id="1" name=""/>
+        <p:cNvGrpSpPr/>
+        <p:nvPr/>
+      </p:nvGrpSpPr>
+      <p:grpSpPr>
+        <a:xfrm>
+          <a:off x="0" y="0"/>
+          <a:ext cx="0" cy="0"/>
+          <a:chOff x="0" y="0"/>
+          <a:chExt cx="0" cy="0"/>
+        </a:xfrm>
+      </p:grpSpPr>
+      <p:pic>
+        <p:nvPicPr>
           <p:cNvPr id="5" name="Picture 4">
             <a:extLst>
               <a:ext uri="{FF2B5EF4-FFF2-40B4-BE49-F238E27FC236}">
@@ -5316,154 +5464,6 @@
     <p:extLst>
       <p:ext uri="{BB962C8B-B14F-4D97-AF65-F5344CB8AC3E}">
         <p14:creationId xmlns:p14="http://schemas.microsoft.com/office/powerpoint/2010/main" val="3323913835"/>
-      </p:ext>
-    </p:extLst>
-  </p:cSld>
-  <p:clrMapOvr>
-    <a:masterClrMapping/>
-  </p:clrMapOvr>
-</p:sld>
-</file>
-
-<file path=ppt/slides/slide11.xml><?xml version="1.0" encoding="utf-8"?>
-<p:sld xmlns:a="http://schemas.openxmlformats.org/drawingml/2006/main" xmlns:r="http://schemas.openxmlformats.org/officeDocument/2006/relationships" xmlns:p="http://schemas.openxmlformats.org/presentationml/2006/main">
-  <p:cSld>
-    <p:spTree>
-      <p:nvGrpSpPr>
-        <p:cNvPr id="1" name=""/>
-        <p:cNvGrpSpPr/>
-        <p:nvPr/>
-      </p:nvGrpSpPr>
-      <p:grpSpPr>
-        <a:xfrm>
-          <a:off x="0" y="0"/>
-          <a:ext cx="0" cy="0"/>
-          <a:chOff x="0" y="0"/>
-          <a:chExt cx="0" cy="0"/>
-        </a:xfrm>
-      </p:grpSpPr>
-      <p:pic>
-        <p:nvPicPr>
-          <p:cNvPr id="7" name="Picture 6">
-            <a:extLst>
-              <a:ext uri="{FF2B5EF4-FFF2-40B4-BE49-F238E27FC236}">
-                <a16:creationId xmlns:a16="http://schemas.microsoft.com/office/drawing/2014/main" id="{58C2FCEF-92D6-493C-AB66-66529B49971E}"/>
-              </a:ext>
-            </a:extLst>
-          </p:cNvPr>
-          <p:cNvPicPr>
-            <a:picLocks noChangeAspect="1"/>
-          </p:cNvPicPr>
-          <p:nvPr/>
-        </p:nvPicPr>
-        <p:blipFill>
-          <a:blip r:embed="rId3">
-            <a:extLst>
-              <a:ext uri="{28A0092B-C50C-407E-A947-70E740481C1C}">
-                <a14:useLocalDpi xmlns:a14="http://schemas.microsoft.com/office/drawing/2010/main" val="0"/>
-              </a:ext>
-            </a:extLst>
-          </a:blip>
-          <a:stretch>
-            <a:fillRect/>
-          </a:stretch>
-        </p:blipFill>
-        <p:spPr>
-          <a:xfrm>
-            <a:off x="465151" y="95250"/>
-            <a:ext cx="8642350" cy="6667500"/>
-          </a:xfrm>
-          <a:prstGeom prst="rect">
-            <a:avLst/>
-          </a:prstGeom>
-        </p:spPr>
-      </p:pic>
-      <p:sp>
-        <p:nvSpPr>
-          <p:cNvPr id="9" name="TextBox 8">
-            <a:extLst>
-              <a:ext uri="{FF2B5EF4-FFF2-40B4-BE49-F238E27FC236}">
-                <a16:creationId xmlns:a16="http://schemas.microsoft.com/office/drawing/2014/main" id="{12BFC674-039B-4EF1-BCB8-ECD29BCA7808}"/>
-              </a:ext>
-            </a:extLst>
-          </p:cNvPr>
-          <p:cNvSpPr txBox="1"/>
-          <p:nvPr/>
-        </p:nvSpPr>
-        <p:spPr>
-          <a:xfrm>
-            <a:off x="8296081" y="3105835"/>
-            <a:ext cx="3058381" cy="1200329"/>
-          </a:xfrm>
-          <a:prstGeom prst="rect">
-            <a:avLst/>
-          </a:prstGeom>
-          <a:noFill/>
-        </p:spPr>
-        <p:txBody>
-          <a:bodyPr wrap="square" rtlCol="0">
-            <a:spAutoFit/>
-          </a:bodyPr>
-          <a:lstStyle/>
-          <a:p>
-            <a:pPr algn="ctr"/>
-            <a:r>
-              <a:rPr lang="en-US" dirty="0">
-                <a:latin typeface="Arial Nova Cond" panose="020B0506020202020204" pitchFamily="34" charset="0"/>
-              </a:rPr>
-              <a:t>The median household income in North Bethesda, MD is nearly 2x the US average. ($103,000)</a:t>
-            </a:r>
-          </a:p>
-        </p:txBody>
-      </p:sp>
-      <p:sp>
-        <p:nvSpPr>
-          <p:cNvPr id="10" name="Rectangle 9">
-            <a:extLst>
-              <a:ext uri="{FF2B5EF4-FFF2-40B4-BE49-F238E27FC236}">
-                <a16:creationId xmlns:a16="http://schemas.microsoft.com/office/drawing/2014/main" id="{95500E2A-0039-4AA0-B966-50A1C217241D}"/>
-              </a:ext>
-            </a:extLst>
-          </p:cNvPr>
-          <p:cNvSpPr/>
-          <p:nvPr/>
-        </p:nvSpPr>
-        <p:spPr>
-          <a:xfrm>
-            <a:off x="8296081" y="5841083"/>
-            <a:ext cx="6096000" cy="646331"/>
-          </a:xfrm>
-          <a:prstGeom prst="rect">
-            <a:avLst/>
-          </a:prstGeom>
-        </p:spPr>
-        <p:txBody>
-          <a:bodyPr>
-            <a:spAutoFit/>
-          </a:bodyPr>
-          <a:lstStyle/>
-          <a:p>
-            <a:r>
-              <a:rPr lang="en-US" dirty="0">
-                <a:latin typeface="Arial Nova Cond" panose="020B0506020202020204" pitchFamily="34" charset="0"/>
-              </a:rPr>
-              <a:t>Pearson r : 0.577074</a:t>
-            </a:r>
-          </a:p>
-          <a:p>
-            <a:r>
-              <a:rPr lang="en-US" dirty="0">
-                <a:latin typeface="Arial Nova Cond" panose="020B0506020202020204" pitchFamily="34" charset="0"/>
-              </a:rPr>
-              <a:t>P Value : 15.42E-13</a:t>
-            </a:r>
-          </a:p>
-        </p:txBody>
-      </p:sp>
-    </p:spTree>
-    <p:extLst>
-      <p:ext uri="{BB962C8B-B14F-4D97-AF65-F5344CB8AC3E}">
-        <p14:creationId xmlns:p14="http://schemas.microsoft.com/office/powerpoint/2010/main" val="3323950502"/>
       </p:ext>
     </p:extLst>
   </p:cSld>
@@ -6130,13 +6130,8 @@
             </a:pPr>
             <a:r>
               <a:rPr lang="en-US" sz="1800" dirty="0"/>
-              <a:t>Manually created csv file with 20 companies (by </a:t>
-            </a:r>
-            <a:r>
-              <a:rPr lang="en-US" sz="1800"/>
-              <a:t>largest revenue)</a:t>
-            </a:r>
-            <a:endParaRPr lang="en-US" sz="1800" dirty="0"/>
+              <a:t>Manually created csv file with 20 companies (by largest revenue)</a:t>
+            </a:r>
           </a:p>
           <a:p>
             <a:pPr lvl="1">
